--- a/HackerRank.pptx
+++ b/HackerRank.pptx
@@ -15,6 +15,17 @@
     <p:sldId id="263" r:id="rId9"/>
     <p:sldId id="264" r:id="rId10"/>
     <p:sldId id="265" r:id="rId11"/>
+    <p:sldId id="266" r:id="rId12"/>
+    <p:sldId id="267" r:id="rId13"/>
+    <p:sldId id="270" r:id="rId14"/>
+    <p:sldId id="268" r:id="rId15"/>
+    <p:sldId id="269" r:id="rId16"/>
+    <p:sldId id="271" r:id="rId17"/>
+    <p:sldId id="272" r:id="rId18"/>
+    <p:sldId id="273" r:id="rId19"/>
+    <p:sldId id="274" r:id="rId20"/>
+    <p:sldId id="275" r:id="rId21"/>
+    <p:sldId id="276" r:id="rId22"/>
   </p:sldIdLst>
   <p:sldSz cx="12192000" cy="6858000"/>
   <p:notesSz cx="6858000" cy="9144000"/>
@@ -268,7 +279,7 @@
           <a:p>
             <a:fld id="{CE6FB87F-61C1-4725-81CD-C23740C60110}" type="datetimeFigureOut">
               <a:rPr lang="en-US" smtClean="0"/>
-              <a:t>7/21/2020</a:t>
+              <a:t>7/23/2020</a:t>
             </a:fld>
             <a:endParaRPr lang="en-US"/>
           </a:p>
@@ -466,7 +477,7 @@
           <a:p>
             <a:fld id="{CE6FB87F-61C1-4725-81CD-C23740C60110}" type="datetimeFigureOut">
               <a:rPr lang="en-US" smtClean="0"/>
-              <a:t>7/21/2020</a:t>
+              <a:t>7/23/2020</a:t>
             </a:fld>
             <a:endParaRPr lang="en-US"/>
           </a:p>
@@ -674,7 +685,7 @@
           <a:p>
             <a:fld id="{CE6FB87F-61C1-4725-81CD-C23740C60110}" type="datetimeFigureOut">
               <a:rPr lang="en-US" smtClean="0"/>
-              <a:t>7/21/2020</a:t>
+              <a:t>7/23/2020</a:t>
             </a:fld>
             <a:endParaRPr lang="en-US"/>
           </a:p>
@@ -872,7 +883,7 @@
           <a:p>
             <a:fld id="{CE6FB87F-61C1-4725-81CD-C23740C60110}" type="datetimeFigureOut">
               <a:rPr lang="en-US" smtClean="0"/>
-              <a:t>7/21/2020</a:t>
+              <a:t>7/23/2020</a:t>
             </a:fld>
             <a:endParaRPr lang="en-US"/>
           </a:p>
@@ -1147,7 +1158,7 @@
           <a:p>
             <a:fld id="{CE6FB87F-61C1-4725-81CD-C23740C60110}" type="datetimeFigureOut">
               <a:rPr lang="en-US" smtClean="0"/>
-              <a:t>7/21/2020</a:t>
+              <a:t>7/23/2020</a:t>
             </a:fld>
             <a:endParaRPr lang="en-US"/>
           </a:p>
@@ -1412,7 +1423,7 @@
           <a:p>
             <a:fld id="{CE6FB87F-61C1-4725-81CD-C23740C60110}" type="datetimeFigureOut">
               <a:rPr lang="en-US" smtClean="0"/>
-              <a:t>7/21/2020</a:t>
+              <a:t>7/23/2020</a:t>
             </a:fld>
             <a:endParaRPr lang="en-US"/>
           </a:p>
@@ -1824,7 +1835,7 @@
           <a:p>
             <a:fld id="{CE6FB87F-61C1-4725-81CD-C23740C60110}" type="datetimeFigureOut">
               <a:rPr lang="en-US" smtClean="0"/>
-              <a:t>7/21/2020</a:t>
+              <a:t>7/23/2020</a:t>
             </a:fld>
             <a:endParaRPr lang="en-US"/>
           </a:p>
@@ -1965,7 +1976,7 @@
           <a:p>
             <a:fld id="{CE6FB87F-61C1-4725-81CD-C23740C60110}" type="datetimeFigureOut">
               <a:rPr lang="en-US" smtClean="0"/>
-              <a:t>7/21/2020</a:t>
+              <a:t>7/23/2020</a:t>
             </a:fld>
             <a:endParaRPr lang="en-US"/>
           </a:p>
@@ -2078,7 +2089,7 @@
           <a:p>
             <a:fld id="{CE6FB87F-61C1-4725-81CD-C23740C60110}" type="datetimeFigureOut">
               <a:rPr lang="en-US" smtClean="0"/>
-              <a:t>7/21/2020</a:t>
+              <a:t>7/23/2020</a:t>
             </a:fld>
             <a:endParaRPr lang="en-US"/>
           </a:p>
@@ -2389,7 +2400,7 @@
           <a:p>
             <a:fld id="{CE6FB87F-61C1-4725-81CD-C23740C60110}" type="datetimeFigureOut">
               <a:rPr lang="en-US" smtClean="0"/>
-              <a:t>7/21/2020</a:t>
+              <a:t>7/23/2020</a:t>
             </a:fld>
             <a:endParaRPr lang="en-US"/>
           </a:p>
@@ -2677,7 +2688,7 @@
           <a:p>
             <a:fld id="{CE6FB87F-61C1-4725-81CD-C23740C60110}" type="datetimeFigureOut">
               <a:rPr lang="en-US" smtClean="0"/>
-              <a:t>7/21/2020</a:t>
+              <a:t>7/23/2020</a:t>
             </a:fld>
             <a:endParaRPr lang="en-US"/>
           </a:p>
@@ -2918,7 +2929,7 @@
           <a:p>
             <a:fld id="{CE6FB87F-61C1-4725-81CD-C23740C60110}" type="datetimeFigureOut">
               <a:rPr lang="en-US" smtClean="0"/>
-              <a:t>7/21/2020</a:t>
+              <a:t>7/23/2020</a:t>
             </a:fld>
             <a:endParaRPr lang="en-US"/>
           </a:p>
@@ -3789,6 +3800,1289 @@
 </p:sld>
 </file>
 
+<file path=ppt/slides/slide11.xml><?xml version="1.0" encoding="utf-8"?>
+<p:sld xmlns:a="http://schemas.openxmlformats.org/drawingml/2006/main" xmlns:r="http://schemas.openxmlformats.org/officeDocument/2006/relationships" xmlns:p="http://schemas.openxmlformats.org/presentationml/2006/main">
+  <p:cSld>
+    <p:spTree>
+      <p:nvGrpSpPr>
+        <p:cNvPr id="1" name=""/>
+        <p:cNvGrpSpPr/>
+        <p:nvPr/>
+      </p:nvGrpSpPr>
+      <p:grpSpPr>
+        <a:xfrm>
+          <a:off x="0" y="0"/>
+          <a:ext cx="0" cy="0"/>
+          <a:chOff x="0" y="0"/>
+          <a:chExt cx="0" cy="0"/>
+        </a:xfrm>
+      </p:grpSpPr>
+      <p:sp>
+        <p:nvSpPr>
+          <p:cNvPr id="2" name="Title 1">
+            <a:extLst>
+              <a:ext uri="{FF2B5EF4-FFF2-40B4-BE49-F238E27FC236}">
+                <a16:creationId xmlns:a16="http://schemas.microsoft.com/office/drawing/2014/main" id="{6058B6C8-9178-46B6-84CE-1733103AB895}"/>
+              </a:ext>
+            </a:extLst>
+          </p:cNvPr>
+          <p:cNvSpPr>
+            <a:spLocks noGrp="1"/>
+          </p:cNvSpPr>
+          <p:nvPr>
+            <p:ph type="title"/>
+          </p:nvPr>
+        </p:nvSpPr>
+        <p:spPr/>
+        <p:txBody>
+          <a:bodyPr/>
+          <a:lstStyle/>
+          <a:p>
+            <a:r>
+              <a:rPr lang="en-US" dirty="0"/>
+              <a:t>Functional Interfaces in Java8</a:t>
+            </a:r>
+          </a:p>
+        </p:txBody>
+      </p:sp>
+      <p:sp>
+        <p:nvSpPr>
+          <p:cNvPr id="3" name="Content Placeholder 2">
+            <a:extLst>
+              <a:ext uri="{FF2B5EF4-FFF2-40B4-BE49-F238E27FC236}">
+                <a16:creationId xmlns:a16="http://schemas.microsoft.com/office/drawing/2014/main" id="{65806295-F3BF-4A19-B757-9FF135766074}"/>
+              </a:ext>
+            </a:extLst>
+          </p:cNvPr>
+          <p:cNvSpPr>
+            <a:spLocks noGrp="1"/>
+          </p:cNvSpPr>
+          <p:nvPr>
+            <p:ph idx="1"/>
+          </p:nvPr>
+        </p:nvSpPr>
+        <p:spPr/>
+        <p:txBody>
+          <a:bodyPr/>
+          <a:lstStyle/>
+          <a:p>
+            <a:r>
+              <a:rPr lang="en-US" dirty="0"/>
+              <a:t>Predicate</a:t>
+            </a:r>
+          </a:p>
+          <a:p>
+            <a:r>
+              <a:rPr lang="en-US" dirty="0" err="1">
+                <a:highlight>
+                  <a:srgbClr val="FFFF00"/>
+                </a:highlight>
+              </a:rPr>
+              <a:t>BiPredicate</a:t>
+            </a:r>
+            <a:endParaRPr lang="en-US" dirty="0">
+              <a:highlight>
+                <a:srgbClr val="FFFF00"/>
+              </a:highlight>
+            </a:endParaRPr>
+          </a:p>
+          <a:p>
+            <a:r>
+              <a:rPr lang="en-US" dirty="0"/>
+              <a:t>Function</a:t>
+            </a:r>
+          </a:p>
+          <a:p>
+            <a:r>
+              <a:rPr lang="en-US" dirty="0" err="1">
+                <a:highlight>
+                  <a:srgbClr val="FFFF00"/>
+                </a:highlight>
+              </a:rPr>
+              <a:t>BiFunction</a:t>
+            </a:r>
+            <a:endParaRPr lang="en-US" dirty="0">
+              <a:highlight>
+                <a:srgbClr val="FFFF00"/>
+              </a:highlight>
+            </a:endParaRPr>
+          </a:p>
+          <a:p>
+            <a:r>
+              <a:rPr lang="en-US" dirty="0"/>
+              <a:t>Consumer</a:t>
+            </a:r>
+          </a:p>
+          <a:p>
+            <a:r>
+              <a:rPr lang="en-US" dirty="0" err="1">
+                <a:highlight>
+                  <a:srgbClr val="FFFF00"/>
+                </a:highlight>
+              </a:rPr>
+              <a:t>BiConsumer</a:t>
+            </a:r>
+            <a:endParaRPr lang="en-US" dirty="0">
+              <a:highlight>
+                <a:srgbClr val="FFFF00"/>
+              </a:highlight>
+            </a:endParaRPr>
+          </a:p>
+          <a:p>
+            <a:r>
+              <a:rPr lang="en-US" dirty="0"/>
+              <a:t>Supplier</a:t>
+            </a:r>
+          </a:p>
+          <a:p>
+            <a:r>
+              <a:rPr lang="en-US" dirty="0" err="1"/>
+              <a:t>BinaryOperator</a:t>
+            </a:r>
+            <a:endParaRPr lang="en-US" dirty="0"/>
+          </a:p>
+        </p:txBody>
+      </p:sp>
+    </p:spTree>
+    <p:extLst>
+      <p:ext uri="{BB962C8B-B14F-4D97-AF65-F5344CB8AC3E}">
+        <p14:creationId xmlns:p14="http://schemas.microsoft.com/office/powerpoint/2010/main" val="990129005"/>
+      </p:ext>
+    </p:extLst>
+  </p:cSld>
+  <p:clrMapOvr>
+    <a:masterClrMapping/>
+  </p:clrMapOvr>
+</p:sld>
+</file>
+
+<file path=ppt/slides/slide12.xml><?xml version="1.0" encoding="utf-8"?>
+<p:sld xmlns:a="http://schemas.openxmlformats.org/drawingml/2006/main" xmlns:r="http://schemas.openxmlformats.org/officeDocument/2006/relationships" xmlns:p="http://schemas.openxmlformats.org/presentationml/2006/main">
+  <p:cSld>
+    <p:spTree>
+      <p:nvGrpSpPr>
+        <p:cNvPr id="1" name=""/>
+        <p:cNvGrpSpPr/>
+        <p:nvPr/>
+      </p:nvGrpSpPr>
+      <p:grpSpPr>
+        <a:xfrm>
+          <a:off x="0" y="0"/>
+          <a:ext cx="0" cy="0"/>
+          <a:chOff x="0" y="0"/>
+          <a:chExt cx="0" cy="0"/>
+        </a:xfrm>
+      </p:grpSpPr>
+      <p:sp>
+        <p:nvSpPr>
+          <p:cNvPr id="2" name="Title 1">
+            <a:extLst>
+              <a:ext uri="{FF2B5EF4-FFF2-40B4-BE49-F238E27FC236}">
+                <a16:creationId xmlns:a16="http://schemas.microsoft.com/office/drawing/2014/main" id="{4D66CE66-D065-494D-888A-CC10B50E6E03}"/>
+              </a:ext>
+            </a:extLst>
+          </p:cNvPr>
+          <p:cNvSpPr>
+            <a:spLocks noGrp="1"/>
+          </p:cNvSpPr>
+          <p:nvPr>
+            <p:ph type="title"/>
+          </p:nvPr>
+        </p:nvSpPr>
+        <p:spPr/>
+        <p:txBody>
+          <a:bodyPr/>
+          <a:lstStyle/>
+          <a:p>
+            <a:r>
+              <a:rPr lang="en-US" dirty="0"/>
+              <a:t>Predicate</a:t>
+            </a:r>
+          </a:p>
+        </p:txBody>
+      </p:sp>
+      <p:sp>
+        <p:nvSpPr>
+          <p:cNvPr id="3" name="Content Placeholder 2">
+            <a:extLst>
+              <a:ext uri="{FF2B5EF4-FFF2-40B4-BE49-F238E27FC236}">
+                <a16:creationId xmlns:a16="http://schemas.microsoft.com/office/drawing/2014/main" id="{9B2C62E7-FD7C-45A7-BEB8-9800389373AF}"/>
+              </a:ext>
+            </a:extLst>
+          </p:cNvPr>
+          <p:cNvSpPr>
+            <a:spLocks noGrp="1"/>
+          </p:cNvSpPr>
+          <p:nvPr>
+            <p:ph idx="1"/>
+          </p:nvPr>
+        </p:nvSpPr>
+        <p:spPr/>
+        <p:txBody>
+          <a:bodyPr/>
+          <a:lstStyle/>
+          <a:p>
+            <a:pPr marL="0" indent="0">
+              <a:buNone/>
+            </a:pPr>
+            <a:r>
+              <a:rPr lang="en-US" dirty="0"/>
+              <a:t>public interface Predicate{</a:t>
+            </a:r>
+          </a:p>
+          <a:p>
+            <a:pPr marL="457200" lvl="1" indent="0">
+              <a:buNone/>
+            </a:pPr>
+            <a:r>
+              <a:rPr lang="en-US" dirty="0"/>
+              <a:t> public </a:t>
+            </a:r>
+            <a:r>
+              <a:rPr lang="en-US" dirty="0" err="1"/>
+              <a:t>boolean</a:t>
+            </a:r>
+            <a:r>
+              <a:rPr lang="en-US" dirty="0"/>
+              <a:t> test(T t){</a:t>
+            </a:r>
+          </a:p>
+          <a:p>
+            <a:pPr marL="457200" lvl="1" indent="0">
+              <a:buNone/>
+            </a:pPr>
+            <a:r>
+              <a:rPr lang="en-US" dirty="0"/>
+              <a:t>}</a:t>
+            </a:r>
+          </a:p>
+          <a:p>
+            <a:pPr marL="0" indent="0">
+              <a:buNone/>
+            </a:pPr>
+            <a:r>
+              <a:rPr lang="en-US" dirty="0"/>
+              <a:t>}</a:t>
+            </a:r>
+          </a:p>
+          <a:p>
+            <a:pPr marL="0" indent="0">
+              <a:buNone/>
+            </a:pPr>
+            <a:endParaRPr lang="en-US" dirty="0"/>
+          </a:p>
+          <a:p>
+            <a:pPr marL="0" indent="0">
+              <a:buNone/>
+            </a:pPr>
+            <a:r>
+              <a:rPr lang="en-US" dirty="0"/>
+              <a:t>and</a:t>
+            </a:r>
+          </a:p>
+          <a:p>
+            <a:pPr marL="0" indent="0">
+              <a:buNone/>
+            </a:pPr>
+            <a:r>
+              <a:rPr lang="en-US" dirty="0"/>
+              <a:t>or</a:t>
+            </a:r>
+          </a:p>
+          <a:p>
+            <a:pPr marL="0" indent="0">
+              <a:buNone/>
+            </a:pPr>
+            <a:r>
+              <a:rPr lang="en-US" dirty="0"/>
+              <a:t>negate</a:t>
+            </a:r>
+          </a:p>
+        </p:txBody>
+      </p:sp>
+    </p:spTree>
+    <p:extLst>
+      <p:ext uri="{BB962C8B-B14F-4D97-AF65-F5344CB8AC3E}">
+        <p14:creationId xmlns:p14="http://schemas.microsoft.com/office/powerpoint/2010/main" val="1643643481"/>
+      </p:ext>
+    </p:extLst>
+  </p:cSld>
+  <p:clrMapOvr>
+    <a:masterClrMapping/>
+  </p:clrMapOvr>
+</p:sld>
+</file>
+
+<file path=ppt/slides/slide13.xml><?xml version="1.0" encoding="utf-8"?>
+<p:sld xmlns:a="http://schemas.openxmlformats.org/drawingml/2006/main" xmlns:r="http://schemas.openxmlformats.org/officeDocument/2006/relationships" xmlns:p="http://schemas.openxmlformats.org/presentationml/2006/main">
+  <p:cSld>
+    <p:spTree>
+      <p:nvGrpSpPr>
+        <p:cNvPr id="1" name=""/>
+        <p:cNvGrpSpPr/>
+        <p:nvPr/>
+      </p:nvGrpSpPr>
+      <p:grpSpPr>
+        <a:xfrm>
+          <a:off x="0" y="0"/>
+          <a:ext cx="0" cy="0"/>
+          <a:chOff x="0" y="0"/>
+          <a:chExt cx="0" cy="0"/>
+        </a:xfrm>
+      </p:grpSpPr>
+      <p:sp>
+        <p:nvSpPr>
+          <p:cNvPr id="2" name="Title 1">
+            <a:extLst>
+              <a:ext uri="{FF2B5EF4-FFF2-40B4-BE49-F238E27FC236}">
+                <a16:creationId xmlns:a16="http://schemas.microsoft.com/office/drawing/2014/main" id="{4D66CE66-D065-494D-888A-CC10B50E6E03}"/>
+              </a:ext>
+            </a:extLst>
+          </p:cNvPr>
+          <p:cNvSpPr>
+            <a:spLocks noGrp="1"/>
+          </p:cNvSpPr>
+          <p:nvPr>
+            <p:ph type="title"/>
+          </p:nvPr>
+        </p:nvSpPr>
+        <p:spPr/>
+        <p:txBody>
+          <a:bodyPr/>
+          <a:lstStyle/>
+          <a:p>
+            <a:r>
+              <a:rPr lang="en-US" dirty="0" err="1"/>
+              <a:t>BiPredicate</a:t>
+            </a:r>
+            <a:endParaRPr lang="en-US" dirty="0"/>
+          </a:p>
+        </p:txBody>
+      </p:sp>
+      <p:sp>
+        <p:nvSpPr>
+          <p:cNvPr id="3" name="Content Placeholder 2">
+            <a:extLst>
+              <a:ext uri="{FF2B5EF4-FFF2-40B4-BE49-F238E27FC236}">
+                <a16:creationId xmlns:a16="http://schemas.microsoft.com/office/drawing/2014/main" id="{9B2C62E7-FD7C-45A7-BEB8-9800389373AF}"/>
+              </a:ext>
+            </a:extLst>
+          </p:cNvPr>
+          <p:cNvSpPr>
+            <a:spLocks noGrp="1"/>
+          </p:cNvSpPr>
+          <p:nvPr>
+            <p:ph idx="1"/>
+          </p:nvPr>
+        </p:nvSpPr>
+        <p:spPr/>
+        <p:txBody>
+          <a:bodyPr/>
+          <a:lstStyle/>
+          <a:p>
+            <a:pPr marL="0" indent="0">
+              <a:buNone/>
+            </a:pPr>
+            <a:r>
+              <a:rPr lang="en-US" dirty="0"/>
+              <a:t>public interface </a:t>
+            </a:r>
+            <a:r>
+              <a:rPr lang="en-US" dirty="0" err="1"/>
+              <a:t>BiPredicate</a:t>
+            </a:r>
+            <a:r>
+              <a:rPr lang="en-US" dirty="0"/>
+              <a:t>{</a:t>
+            </a:r>
+          </a:p>
+          <a:p>
+            <a:pPr marL="457200" lvl="1" indent="0">
+              <a:buNone/>
+            </a:pPr>
+            <a:r>
+              <a:rPr lang="en-US" dirty="0"/>
+              <a:t> public </a:t>
+            </a:r>
+            <a:r>
+              <a:rPr lang="en-US" dirty="0" err="1"/>
+              <a:t>boolean</a:t>
+            </a:r>
+            <a:r>
+              <a:rPr lang="en-US" dirty="0"/>
+              <a:t> test(T </a:t>
+            </a:r>
+            <a:r>
+              <a:rPr lang="en-US" dirty="0" err="1"/>
+              <a:t>t,R</a:t>
+            </a:r>
+            <a:r>
+              <a:rPr lang="en-US" dirty="0"/>
+              <a:t> r);</a:t>
+            </a:r>
+          </a:p>
+          <a:p>
+            <a:pPr marL="0" indent="0">
+              <a:buNone/>
+            </a:pPr>
+            <a:r>
+              <a:rPr lang="en-US" dirty="0"/>
+              <a:t>}</a:t>
+            </a:r>
+          </a:p>
+          <a:p>
+            <a:pPr marL="0" indent="0">
+              <a:buNone/>
+            </a:pPr>
+            <a:endParaRPr lang="en-US" dirty="0"/>
+          </a:p>
+          <a:p>
+            <a:pPr marL="0" indent="0">
+              <a:buNone/>
+            </a:pPr>
+            <a:r>
+              <a:rPr lang="en-US" dirty="0"/>
+              <a:t>and</a:t>
+            </a:r>
+          </a:p>
+          <a:p>
+            <a:pPr marL="0" indent="0">
+              <a:buNone/>
+            </a:pPr>
+            <a:r>
+              <a:rPr lang="en-US" dirty="0"/>
+              <a:t>or</a:t>
+            </a:r>
+          </a:p>
+          <a:p>
+            <a:pPr marL="0" indent="0">
+              <a:buNone/>
+            </a:pPr>
+            <a:r>
+              <a:rPr lang="en-US" dirty="0"/>
+              <a:t>negate</a:t>
+            </a:r>
+          </a:p>
+        </p:txBody>
+      </p:sp>
+    </p:spTree>
+    <p:extLst>
+      <p:ext uri="{BB962C8B-B14F-4D97-AF65-F5344CB8AC3E}">
+        <p14:creationId xmlns:p14="http://schemas.microsoft.com/office/powerpoint/2010/main" val="1523573771"/>
+      </p:ext>
+    </p:extLst>
+  </p:cSld>
+  <p:clrMapOvr>
+    <a:masterClrMapping/>
+  </p:clrMapOvr>
+</p:sld>
+</file>
+
+<file path=ppt/slides/slide14.xml><?xml version="1.0" encoding="utf-8"?>
+<p:sld xmlns:a="http://schemas.openxmlformats.org/drawingml/2006/main" xmlns:r="http://schemas.openxmlformats.org/officeDocument/2006/relationships" xmlns:p="http://schemas.openxmlformats.org/presentationml/2006/main">
+  <p:cSld>
+    <p:spTree>
+      <p:nvGrpSpPr>
+        <p:cNvPr id="1" name=""/>
+        <p:cNvGrpSpPr/>
+        <p:nvPr/>
+      </p:nvGrpSpPr>
+      <p:grpSpPr>
+        <a:xfrm>
+          <a:off x="0" y="0"/>
+          <a:ext cx="0" cy="0"/>
+          <a:chOff x="0" y="0"/>
+          <a:chExt cx="0" cy="0"/>
+        </a:xfrm>
+      </p:grpSpPr>
+      <p:sp>
+        <p:nvSpPr>
+          <p:cNvPr id="2" name="Title 1">
+            <a:extLst>
+              <a:ext uri="{FF2B5EF4-FFF2-40B4-BE49-F238E27FC236}">
+                <a16:creationId xmlns:a16="http://schemas.microsoft.com/office/drawing/2014/main" id="{26954EB3-616B-423E-B44E-1E2CF3F7968D}"/>
+              </a:ext>
+            </a:extLst>
+          </p:cNvPr>
+          <p:cNvSpPr>
+            <a:spLocks noGrp="1"/>
+          </p:cNvSpPr>
+          <p:nvPr>
+            <p:ph type="title"/>
+          </p:nvPr>
+        </p:nvSpPr>
+        <p:spPr/>
+        <p:txBody>
+          <a:bodyPr/>
+          <a:lstStyle/>
+          <a:p>
+            <a:r>
+              <a:rPr lang="en-US" dirty="0"/>
+              <a:t>Stream API methods</a:t>
+            </a:r>
+          </a:p>
+        </p:txBody>
+      </p:sp>
+      <p:sp>
+        <p:nvSpPr>
+          <p:cNvPr id="3" name="Content Placeholder 2">
+            <a:extLst>
+              <a:ext uri="{FF2B5EF4-FFF2-40B4-BE49-F238E27FC236}">
+                <a16:creationId xmlns:a16="http://schemas.microsoft.com/office/drawing/2014/main" id="{19EF0455-CAEF-4D8D-B230-A4305A4AE3DC}"/>
+              </a:ext>
+            </a:extLst>
+          </p:cNvPr>
+          <p:cNvSpPr>
+            <a:spLocks noGrp="1"/>
+          </p:cNvSpPr>
+          <p:nvPr>
+            <p:ph idx="1"/>
+          </p:nvPr>
+        </p:nvSpPr>
+        <p:spPr/>
+        <p:txBody>
+          <a:bodyPr/>
+          <a:lstStyle/>
+          <a:p>
+            <a:r>
+              <a:rPr lang="en-US" dirty="0"/>
+              <a:t>filter </a:t>
+            </a:r>
+            <a:r>
+              <a:rPr lang="en-US" dirty="0">
+                <a:sym typeface="Wingdings" panose="05000000000000000000" pitchFamily="2" charset="2"/>
+              </a:rPr>
+              <a:t> predicate</a:t>
+            </a:r>
+          </a:p>
+          <a:p>
+            <a:r>
+              <a:rPr lang="en-US" dirty="0" err="1">
+                <a:sym typeface="Wingdings" panose="05000000000000000000" pitchFamily="2" charset="2"/>
+              </a:rPr>
+              <a:t>forEach</a:t>
+            </a:r>
+            <a:r>
+              <a:rPr lang="en-US" dirty="0">
+                <a:sym typeface="Wingdings" panose="05000000000000000000" pitchFamily="2" charset="2"/>
+              </a:rPr>
+              <a:t>  Consumer</a:t>
+            </a:r>
+          </a:p>
+          <a:p>
+            <a:r>
+              <a:rPr lang="en-US" dirty="0">
+                <a:sym typeface="Wingdings" panose="05000000000000000000" pitchFamily="2" charset="2"/>
+              </a:rPr>
+              <a:t>map  function</a:t>
+            </a:r>
+          </a:p>
+          <a:p>
+            <a:r>
+              <a:rPr lang="en-US" dirty="0">
+                <a:sym typeface="Wingdings" panose="05000000000000000000" pitchFamily="2" charset="2"/>
+              </a:rPr>
+              <a:t>Collect</a:t>
+            </a:r>
+          </a:p>
+          <a:p>
+            <a:r>
+              <a:rPr lang="en-US" dirty="0"/>
+              <a:t>Count</a:t>
+            </a:r>
+          </a:p>
+          <a:p>
+            <a:r>
+              <a:rPr lang="en-US" dirty="0"/>
+              <a:t>Sorted (comparator)</a:t>
+            </a:r>
+          </a:p>
+          <a:p>
+            <a:r>
+              <a:rPr lang="en-US" dirty="0"/>
+              <a:t>Reduce </a:t>
+            </a:r>
+            <a:r>
+              <a:rPr lang="en-US" dirty="0">
+                <a:sym typeface="Wingdings" panose="05000000000000000000" pitchFamily="2" charset="2"/>
+              </a:rPr>
+              <a:t> </a:t>
+            </a:r>
+            <a:r>
+              <a:rPr lang="en-US" dirty="0" err="1">
+                <a:sym typeface="Wingdings" panose="05000000000000000000" pitchFamily="2" charset="2"/>
+              </a:rPr>
+              <a:t>BinaryOperator</a:t>
+            </a:r>
+            <a:r>
+              <a:rPr lang="en-US" dirty="0">
+                <a:sym typeface="Wingdings" panose="05000000000000000000" pitchFamily="2" charset="2"/>
+              </a:rPr>
+              <a:t> (aggregations)</a:t>
+            </a:r>
+          </a:p>
+          <a:p>
+            <a:r>
+              <a:rPr lang="en-US" dirty="0" err="1">
+                <a:sym typeface="Wingdings" panose="05000000000000000000" pitchFamily="2" charset="2"/>
+              </a:rPr>
+              <a:t>flatMap</a:t>
+            </a:r>
+            <a:r>
+              <a:rPr lang="en-US" dirty="0">
+                <a:sym typeface="Wingdings" panose="05000000000000000000" pitchFamily="2" charset="2"/>
+              </a:rPr>
+              <a:t>  function</a:t>
+            </a:r>
+            <a:endParaRPr lang="en-US" dirty="0"/>
+          </a:p>
+          <a:p>
+            <a:endParaRPr lang="en-US" dirty="0"/>
+          </a:p>
+        </p:txBody>
+      </p:sp>
+    </p:spTree>
+    <p:extLst>
+      <p:ext uri="{BB962C8B-B14F-4D97-AF65-F5344CB8AC3E}">
+        <p14:creationId xmlns:p14="http://schemas.microsoft.com/office/powerpoint/2010/main" val="204009738"/>
+      </p:ext>
+    </p:extLst>
+  </p:cSld>
+  <p:clrMapOvr>
+    <a:masterClrMapping/>
+  </p:clrMapOvr>
+</p:sld>
+</file>
+
+<file path=ppt/slides/slide15.xml><?xml version="1.0" encoding="utf-8"?>
+<p:sld xmlns:a="http://schemas.openxmlformats.org/drawingml/2006/main" xmlns:r="http://schemas.openxmlformats.org/officeDocument/2006/relationships" xmlns:p="http://schemas.openxmlformats.org/presentationml/2006/main">
+  <p:cSld>
+    <p:spTree>
+      <p:nvGrpSpPr>
+        <p:cNvPr id="1" name=""/>
+        <p:cNvGrpSpPr/>
+        <p:nvPr/>
+      </p:nvGrpSpPr>
+      <p:grpSpPr>
+        <a:xfrm>
+          <a:off x="0" y="0"/>
+          <a:ext cx="0" cy="0"/>
+          <a:chOff x="0" y="0"/>
+          <a:chExt cx="0" cy="0"/>
+        </a:xfrm>
+      </p:grpSpPr>
+      <p:sp>
+        <p:nvSpPr>
+          <p:cNvPr id="2" name="Title 1">
+            <a:extLst>
+              <a:ext uri="{FF2B5EF4-FFF2-40B4-BE49-F238E27FC236}">
+                <a16:creationId xmlns:a16="http://schemas.microsoft.com/office/drawing/2014/main" id="{2A7E0DA2-A354-4E37-AAA1-4A45006C9D4D}"/>
+              </a:ext>
+            </a:extLst>
+          </p:cNvPr>
+          <p:cNvSpPr>
+            <a:spLocks noGrp="1"/>
+          </p:cNvSpPr>
+          <p:nvPr>
+            <p:ph type="title"/>
+          </p:nvPr>
+        </p:nvSpPr>
+        <p:spPr/>
+        <p:txBody>
+          <a:bodyPr/>
+          <a:lstStyle/>
+          <a:p>
+            <a:r>
+              <a:rPr lang="en-US" dirty="0"/>
+              <a:t>Consumer</a:t>
+            </a:r>
+          </a:p>
+        </p:txBody>
+      </p:sp>
+      <p:sp>
+        <p:nvSpPr>
+          <p:cNvPr id="3" name="Content Placeholder 2">
+            <a:extLst>
+              <a:ext uri="{FF2B5EF4-FFF2-40B4-BE49-F238E27FC236}">
+                <a16:creationId xmlns:a16="http://schemas.microsoft.com/office/drawing/2014/main" id="{C68631C8-A1A9-48E2-8C4A-C2339A9F3DBB}"/>
+              </a:ext>
+            </a:extLst>
+          </p:cNvPr>
+          <p:cNvSpPr>
+            <a:spLocks noGrp="1"/>
+          </p:cNvSpPr>
+          <p:nvPr>
+            <p:ph idx="1"/>
+          </p:nvPr>
+        </p:nvSpPr>
+        <p:spPr/>
+        <p:txBody>
+          <a:bodyPr/>
+          <a:lstStyle/>
+          <a:p>
+            <a:pPr marL="0" indent="0">
+              <a:buNone/>
+            </a:pPr>
+            <a:r>
+              <a:rPr lang="en-US" dirty="0"/>
+              <a:t>public interface Consumer{</a:t>
+            </a:r>
+          </a:p>
+          <a:p>
+            <a:pPr marL="0" indent="0">
+              <a:buNone/>
+            </a:pPr>
+            <a:endParaRPr lang="en-US" dirty="0"/>
+          </a:p>
+          <a:p>
+            <a:pPr marL="0" indent="0">
+              <a:buNone/>
+            </a:pPr>
+            <a:r>
+              <a:rPr lang="en-US" dirty="0"/>
+              <a:t>	public void accept(T t);</a:t>
+            </a:r>
+          </a:p>
+          <a:p>
+            <a:endParaRPr lang="en-US" dirty="0"/>
+          </a:p>
+          <a:p>
+            <a:pPr marL="0" indent="0">
+              <a:buNone/>
+            </a:pPr>
+            <a:r>
+              <a:rPr lang="en-US" dirty="0"/>
+              <a:t>}</a:t>
+            </a:r>
+          </a:p>
+        </p:txBody>
+      </p:sp>
+    </p:spTree>
+    <p:extLst>
+      <p:ext uri="{BB962C8B-B14F-4D97-AF65-F5344CB8AC3E}">
+        <p14:creationId xmlns:p14="http://schemas.microsoft.com/office/powerpoint/2010/main" val="3346968619"/>
+      </p:ext>
+    </p:extLst>
+  </p:cSld>
+  <p:clrMapOvr>
+    <a:masterClrMapping/>
+  </p:clrMapOvr>
+</p:sld>
+</file>
+
+<file path=ppt/slides/slide16.xml><?xml version="1.0" encoding="utf-8"?>
+<p:sld xmlns:a="http://schemas.openxmlformats.org/drawingml/2006/main" xmlns:r="http://schemas.openxmlformats.org/officeDocument/2006/relationships" xmlns:p="http://schemas.openxmlformats.org/presentationml/2006/main">
+  <p:cSld>
+    <p:spTree>
+      <p:nvGrpSpPr>
+        <p:cNvPr id="1" name=""/>
+        <p:cNvGrpSpPr/>
+        <p:nvPr/>
+      </p:nvGrpSpPr>
+      <p:grpSpPr>
+        <a:xfrm>
+          <a:off x="0" y="0"/>
+          <a:ext cx="0" cy="0"/>
+          <a:chOff x="0" y="0"/>
+          <a:chExt cx="0" cy="0"/>
+        </a:xfrm>
+      </p:grpSpPr>
+      <p:sp>
+        <p:nvSpPr>
+          <p:cNvPr id="2" name="Title 1">
+            <a:extLst>
+              <a:ext uri="{FF2B5EF4-FFF2-40B4-BE49-F238E27FC236}">
+                <a16:creationId xmlns:a16="http://schemas.microsoft.com/office/drawing/2014/main" id="{2A7E0DA2-A354-4E37-AAA1-4A45006C9D4D}"/>
+              </a:ext>
+            </a:extLst>
+          </p:cNvPr>
+          <p:cNvSpPr>
+            <a:spLocks noGrp="1"/>
+          </p:cNvSpPr>
+          <p:nvPr>
+            <p:ph type="title"/>
+          </p:nvPr>
+        </p:nvSpPr>
+        <p:spPr/>
+        <p:txBody>
+          <a:bodyPr/>
+          <a:lstStyle/>
+          <a:p>
+            <a:r>
+              <a:rPr lang="en-US" dirty="0" err="1"/>
+              <a:t>BiConsumer</a:t>
+            </a:r>
+            <a:endParaRPr lang="en-US" dirty="0"/>
+          </a:p>
+        </p:txBody>
+      </p:sp>
+      <p:sp>
+        <p:nvSpPr>
+          <p:cNvPr id="3" name="Content Placeholder 2">
+            <a:extLst>
+              <a:ext uri="{FF2B5EF4-FFF2-40B4-BE49-F238E27FC236}">
+                <a16:creationId xmlns:a16="http://schemas.microsoft.com/office/drawing/2014/main" id="{C68631C8-A1A9-48E2-8C4A-C2339A9F3DBB}"/>
+              </a:ext>
+            </a:extLst>
+          </p:cNvPr>
+          <p:cNvSpPr>
+            <a:spLocks noGrp="1"/>
+          </p:cNvSpPr>
+          <p:nvPr>
+            <p:ph idx="1"/>
+          </p:nvPr>
+        </p:nvSpPr>
+        <p:spPr/>
+        <p:txBody>
+          <a:bodyPr/>
+          <a:lstStyle/>
+          <a:p>
+            <a:pPr marL="0" indent="0">
+              <a:buNone/>
+            </a:pPr>
+            <a:r>
+              <a:rPr lang="en-US" dirty="0"/>
+              <a:t>public interface </a:t>
+            </a:r>
+            <a:r>
+              <a:rPr lang="en-US" dirty="0" err="1"/>
+              <a:t>BiConsumer</a:t>
+            </a:r>
+            <a:r>
+              <a:rPr lang="en-US" dirty="0"/>
+              <a:t>{</a:t>
+            </a:r>
+          </a:p>
+          <a:p>
+            <a:pPr marL="0" indent="0">
+              <a:buNone/>
+            </a:pPr>
+            <a:endParaRPr lang="en-US" dirty="0"/>
+          </a:p>
+          <a:p>
+            <a:pPr marL="0" indent="0">
+              <a:buNone/>
+            </a:pPr>
+            <a:r>
+              <a:rPr lang="en-US" dirty="0"/>
+              <a:t>	public void accept(T </a:t>
+            </a:r>
+            <a:r>
+              <a:rPr lang="en-US" dirty="0" err="1"/>
+              <a:t>t,R</a:t>
+            </a:r>
+            <a:r>
+              <a:rPr lang="en-US" dirty="0"/>
+              <a:t> r);</a:t>
+            </a:r>
+          </a:p>
+          <a:p>
+            <a:endParaRPr lang="en-US" dirty="0"/>
+          </a:p>
+          <a:p>
+            <a:pPr marL="0" indent="0">
+              <a:buNone/>
+            </a:pPr>
+            <a:r>
+              <a:rPr lang="en-US" dirty="0"/>
+              <a:t>}</a:t>
+            </a:r>
+          </a:p>
+        </p:txBody>
+      </p:sp>
+    </p:spTree>
+    <p:extLst>
+      <p:ext uri="{BB962C8B-B14F-4D97-AF65-F5344CB8AC3E}">
+        <p14:creationId xmlns:p14="http://schemas.microsoft.com/office/powerpoint/2010/main" val="2482449150"/>
+      </p:ext>
+    </p:extLst>
+  </p:cSld>
+  <p:clrMapOvr>
+    <a:masterClrMapping/>
+  </p:clrMapOvr>
+</p:sld>
+</file>
+
+<file path=ppt/slides/slide17.xml><?xml version="1.0" encoding="utf-8"?>
+<p:sld xmlns:a="http://schemas.openxmlformats.org/drawingml/2006/main" xmlns:r="http://schemas.openxmlformats.org/officeDocument/2006/relationships" xmlns:p="http://schemas.openxmlformats.org/presentationml/2006/main">
+  <p:cSld>
+    <p:spTree>
+      <p:nvGrpSpPr>
+        <p:cNvPr id="1" name=""/>
+        <p:cNvGrpSpPr/>
+        <p:nvPr/>
+      </p:nvGrpSpPr>
+      <p:grpSpPr>
+        <a:xfrm>
+          <a:off x="0" y="0"/>
+          <a:ext cx="0" cy="0"/>
+          <a:chOff x="0" y="0"/>
+          <a:chExt cx="0" cy="0"/>
+        </a:xfrm>
+      </p:grpSpPr>
+      <p:sp>
+        <p:nvSpPr>
+          <p:cNvPr id="2" name="Title 1">
+            <a:extLst>
+              <a:ext uri="{FF2B5EF4-FFF2-40B4-BE49-F238E27FC236}">
+                <a16:creationId xmlns:a16="http://schemas.microsoft.com/office/drawing/2014/main" id="{E25035FF-A3FB-456C-956E-166DA8EA45F3}"/>
+              </a:ext>
+            </a:extLst>
+          </p:cNvPr>
+          <p:cNvSpPr>
+            <a:spLocks noGrp="1"/>
+          </p:cNvSpPr>
+          <p:nvPr>
+            <p:ph type="title"/>
+          </p:nvPr>
+        </p:nvSpPr>
+        <p:spPr/>
+        <p:txBody>
+          <a:bodyPr/>
+          <a:lstStyle/>
+          <a:p>
+            <a:r>
+              <a:rPr lang="en-US" dirty="0"/>
+              <a:t>Function</a:t>
+            </a:r>
+          </a:p>
+        </p:txBody>
+      </p:sp>
+      <p:sp>
+        <p:nvSpPr>
+          <p:cNvPr id="3" name="Content Placeholder 2">
+            <a:extLst>
+              <a:ext uri="{FF2B5EF4-FFF2-40B4-BE49-F238E27FC236}">
+                <a16:creationId xmlns:a16="http://schemas.microsoft.com/office/drawing/2014/main" id="{0C57E880-3F16-4091-A6CE-5581741B75FE}"/>
+              </a:ext>
+            </a:extLst>
+          </p:cNvPr>
+          <p:cNvSpPr>
+            <a:spLocks noGrp="1"/>
+          </p:cNvSpPr>
+          <p:nvPr>
+            <p:ph idx="1"/>
+          </p:nvPr>
+        </p:nvSpPr>
+        <p:spPr/>
+        <p:txBody>
+          <a:bodyPr/>
+          <a:lstStyle/>
+          <a:p>
+            <a:pPr marL="0" indent="0">
+              <a:buNone/>
+            </a:pPr>
+            <a:r>
+              <a:rPr lang="en-US" dirty="0"/>
+              <a:t>public interface Function{</a:t>
+            </a:r>
+          </a:p>
+          <a:p>
+            <a:pPr marL="0" indent="0">
+              <a:buNone/>
+            </a:pPr>
+            <a:r>
+              <a:rPr lang="en-US" dirty="0"/>
+              <a:t>	public R apply(T t);</a:t>
+            </a:r>
+          </a:p>
+          <a:p>
+            <a:endParaRPr lang="en-US" dirty="0"/>
+          </a:p>
+          <a:p>
+            <a:pPr marL="0" indent="0">
+              <a:buNone/>
+            </a:pPr>
+            <a:r>
+              <a:rPr lang="en-US" dirty="0"/>
+              <a:t>}</a:t>
+            </a:r>
+          </a:p>
+          <a:p>
+            <a:pPr marL="0" indent="0">
+              <a:buNone/>
+            </a:pPr>
+            <a:endParaRPr lang="en-US" dirty="0"/>
+          </a:p>
+          <a:p>
+            <a:pPr marL="0" indent="0">
+              <a:buNone/>
+            </a:pPr>
+            <a:r>
+              <a:rPr lang="en-US" dirty="0"/>
+              <a:t>Data Transformation</a:t>
+            </a:r>
+          </a:p>
+        </p:txBody>
+      </p:sp>
+    </p:spTree>
+    <p:extLst>
+      <p:ext uri="{BB962C8B-B14F-4D97-AF65-F5344CB8AC3E}">
+        <p14:creationId xmlns:p14="http://schemas.microsoft.com/office/powerpoint/2010/main" val="3065373627"/>
+      </p:ext>
+    </p:extLst>
+  </p:cSld>
+  <p:clrMapOvr>
+    <a:masterClrMapping/>
+  </p:clrMapOvr>
+</p:sld>
+</file>
+
+<file path=ppt/slides/slide18.xml><?xml version="1.0" encoding="utf-8"?>
+<p:sld xmlns:a="http://schemas.openxmlformats.org/drawingml/2006/main" xmlns:r="http://schemas.openxmlformats.org/officeDocument/2006/relationships" xmlns:p="http://schemas.openxmlformats.org/presentationml/2006/main">
+  <p:cSld>
+    <p:spTree>
+      <p:nvGrpSpPr>
+        <p:cNvPr id="1" name=""/>
+        <p:cNvGrpSpPr/>
+        <p:nvPr/>
+      </p:nvGrpSpPr>
+      <p:grpSpPr>
+        <a:xfrm>
+          <a:off x="0" y="0"/>
+          <a:ext cx="0" cy="0"/>
+          <a:chOff x="0" y="0"/>
+          <a:chExt cx="0" cy="0"/>
+        </a:xfrm>
+      </p:grpSpPr>
+      <p:sp>
+        <p:nvSpPr>
+          <p:cNvPr id="2" name="Title 1">
+            <a:extLst>
+              <a:ext uri="{FF2B5EF4-FFF2-40B4-BE49-F238E27FC236}">
+                <a16:creationId xmlns:a16="http://schemas.microsoft.com/office/drawing/2014/main" id="{E25035FF-A3FB-456C-956E-166DA8EA45F3}"/>
+              </a:ext>
+            </a:extLst>
+          </p:cNvPr>
+          <p:cNvSpPr>
+            <a:spLocks noGrp="1"/>
+          </p:cNvSpPr>
+          <p:nvPr>
+            <p:ph type="title"/>
+          </p:nvPr>
+        </p:nvSpPr>
+        <p:spPr/>
+        <p:txBody>
+          <a:bodyPr/>
+          <a:lstStyle/>
+          <a:p>
+            <a:r>
+              <a:rPr lang="en-US" dirty="0" err="1"/>
+              <a:t>BiFunction</a:t>
+            </a:r>
+            <a:endParaRPr lang="en-US" dirty="0"/>
+          </a:p>
+        </p:txBody>
+      </p:sp>
+      <p:sp>
+        <p:nvSpPr>
+          <p:cNvPr id="3" name="Content Placeholder 2">
+            <a:extLst>
+              <a:ext uri="{FF2B5EF4-FFF2-40B4-BE49-F238E27FC236}">
+                <a16:creationId xmlns:a16="http://schemas.microsoft.com/office/drawing/2014/main" id="{0C57E880-3F16-4091-A6CE-5581741B75FE}"/>
+              </a:ext>
+            </a:extLst>
+          </p:cNvPr>
+          <p:cNvSpPr>
+            <a:spLocks noGrp="1"/>
+          </p:cNvSpPr>
+          <p:nvPr>
+            <p:ph idx="1"/>
+          </p:nvPr>
+        </p:nvSpPr>
+        <p:spPr/>
+        <p:txBody>
+          <a:bodyPr/>
+          <a:lstStyle/>
+          <a:p>
+            <a:pPr marL="0" indent="0">
+              <a:buNone/>
+            </a:pPr>
+            <a:r>
+              <a:rPr lang="en-US" dirty="0"/>
+              <a:t>public interface </a:t>
+            </a:r>
+            <a:r>
+              <a:rPr lang="en-US" dirty="0" err="1"/>
+              <a:t>BiFunction</a:t>
+            </a:r>
+            <a:r>
+              <a:rPr lang="en-US" dirty="0"/>
+              <a:t>{</a:t>
+            </a:r>
+          </a:p>
+          <a:p>
+            <a:pPr marL="0" indent="0">
+              <a:buNone/>
+            </a:pPr>
+            <a:r>
+              <a:rPr lang="en-US" dirty="0"/>
+              <a:t>	public R apply(T </a:t>
+            </a:r>
+            <a:r>
+              <a:rPr lang="en-US" dirty="0" err="1"/>
+              <a:t>t,U</a:t>
+            </a:r>
+            <a:r>
+              <a:rPr lang="en-US" dirty="0"/>
+              <a:t> u);</a:t>
+            </a:r>
+          </a:p>
+          <a:p>
+            <a:endParaRPr lang="en-US" dirty="0"/>
+          </a:p>
+          <a:p>
+            <a:pPr marL="0" indent="0">
+              <a:buNone/>
+            </a:pPr>
+            <a:r>
+              <a:rPr lang="en-US" dirty="0"/>
+              <a:t>}</a:t>
+            </a:r>
+          </a:p>
+          <a:p>
+            <a:pPr marL="0" indent="0">
+              <a:buNone/>
+            </a:pPr>
+            <a:endParaRPr lang="en-US" dirty="0"/>
+          </a:p>
+          <a:p>
+            <a:pPr marL="0" indent="0">
+              <a:buNone/>
+            </a:pPr>
+            <a:r>
+              <a:rPr lang="en-US" dirty="0"/>
+              <a:t>Data Transformation</a:t>
+            </a:r>
+          </a:p>
+        </p:txBody>
+      </p:sp>
+    </p:spTree>
+    <p:extLst>
+      <p:ext uri="{BB962C8B-B14F-4D97-AF65-F5344CB8AC3E}">
+        <p14:creationId xmlns:p14="http://schemas.microsoft.com/office/powerpoint/2010/main" val="2818740365"/>
+      </p:ext>
+    </p:extLst>
+  </p:cSld>
+  <p:clrMapOvr>
+    <a:masterClrMapping/>
+  </p:clrMapOvr>
+</p:sld>
+</file>
+
+<file path=ppt/slides/slide19.xml><?xml version="1.0" encoding="utf-8"?>
+<p:sld xmlns:a="http://schemas.openxmlformats.org/drawingml/2006/main" xmlns:r="http://schemas.openxmlformats.org/officeDocument/2006/relationships" xmlns:p="http://schemas.openxmlformats.org/presentationml/2006/main">
+  <p:cSld>
+    <p:spTree>
+      <p:nvGrpSpPr>
+        <p:cNvPr id="1" name=""/>
+        <p:cNvGrpSpPr/>
+        <p:nvPr/>
+      </p:nvGrpSpPr>
+      <p:grpSpPr>
+        <a:xfrm>
+          <a:off x="0" y="0"/>
+          <a:ext cx="0" cy="0"/>
+          <a:chOff x="0" y="0"/>
+          <a:chExt cx="0" cy="0"/>
+        </a:xfrm>
+      </p:grpSpPr>
+      <p:sp>
+        <p:nvSpPr>
+          <p:cNvPr id="2" name="Title 1">
+            <a:extLst>
+              <a:ext uri="{FF2B5EF4-FFF2-40B4-BE49-F238E27FC236}">
+                <a16:creationId xmlns:a16="http://schemas.microsoft.com/office/drawing/2014/main" id="{BBDE31A9-B07B-4BB8-AECD-1FAC446F857D}"/>
+              </a:ext>
+            </a:extLst>
+          </p:cNvPr>
+          <p:cNvSpPr>
+            <a:spLocks noGrp="1"/>
+          </p:cNvSpPr>
+          <p:nvPr>
+            <p:ph type="title"/>
+          </p:nvPr>
+        </p:nvSpPr>
+        <p:spPr/>
+        <p:txBody>
+          <a:bodyPr/>
+          <a:lstStyle/>
+          <a:p>
+            <a:r>
+              <a:rPr lang="en-US" dirty="0"/>
+              <a:t>Supplier</a:t>
+            </a:r>
+          </a:p>
+        </p:txBody>
+      </p:sp>
+      <p:sp>
+        <p:nvSpPr>
+          <p:cNvPr id="3" name="Content Placeholder 2">
+            <a:extLst>
+              <a:ext uri="{FF2B5EF4-FFF2-40B4-BE49-F238E27FC236}">
+                <a16:creationId xmlns:a16="http://schemas.microsoft.com/office/drawing/2014/main" id="{1B179F2A-E6C1-4DDB-98F8-B7E70A138280}"/>
+              </a:ext>
+            </a:extLst>
+          </p:cNvPr>
+          <p:cNvSpPr>
+            <a:spLocks noGrp="1"/>
+          </p:cNvSpPr>
+          <p:nvPr>
+            <p:ph idx="1"/>
+          </p:nvPr>
+        </p:nvSpPr>
+        <p:spPr/>
+        <p:txBody>
+          <a:bodyPr/>
+          <a:lstStyle/>
+          <a:p>
+            <a:pPr marL="0" indent="0">
+              <a:buNone/>
+            </a:pPr>
+            <a:r>
+              <a:rPr lang="en-US" dirty="0"/>
+              <a:t>public interface Supplier{</a:t>
+            </a:r>
+          </a:p>
+          <a:p>
+            <a:pPr marL="0" indent="0">
+              <a:buNone/>
+            </a:pPr>
+            <a:r>
+              <a:rPr lang="en-US" dirty="0"/>
+              <a:t>	public R get();</a:t>
+            </a:r>
+          </a:p>
+          <a:p>
+            <a:endParaRPr lang="en-US" dirty="0"/>
+          </a:p>
+          <a:p>
+            <a:pPr marL="0" indent="0">
+              <a:buNone/>
+            </a:pPr>
+            <a:r>
+              <a:rPr lang="en-US" dirty="0"/>
+              <a:t>}</a:t>
+            </a:r>
+          </a:p>
+          <a:p>
+            <a:endParaRPr lang="en-US" dirty="0"/>
+          </a:p>
+        </p:txBody>
+      </p:sp>
+    </p:spTree>
+    <p:extLst>
+      <p:ext uri="{BB962C8B-B14F-4D97-AF65-F5344CB8AC3E}">
+        <p14:creationId xmlns:p14="http://schemas.microsoft.com/office/powerpoint/2010/main" val="1130597987"/>
+      </p:ext>
+    </p:extLst>
+  </p:cSld>
+  <p:clrMapOvr>
+    <a:masterClrMapping/>
+  </p:clrMapOvr>
+</p:sld>
+</file>
+
 <file path=ppt/slides/slide2.xml><?xml version="1.0" encoding="utf-8"?>
 <p:sld xmlns:a="http://schemas.openxmlformats.org/drawingml/2006/main" xmlns:r="http://schemas.openxmlformats.org/officeDocument/2006/relationships" xmlns:p="http://schemas.openxmlformats.org/presentationml/2006/main">
   <p:cSld>
@@ -3899,6 +5193,236 @@
     <p:extLst>
       <p:ext uri="{BB962C8B-B14F-4D97-AF65-F5344CB8AC3E}">
         <p14:creationId xmlns:p14="http://schemas.microsoft.com/office/powerpoint/2010/main" val="2440413695"/>
+      </p:ext>
+    </p:extLst>
+  </p:cSld>
+  <p:clrMapOvr>
+    <a:masterClrMapping/>
+  </p:clrMapOvr>
+</p:sld>
+</file>
+
+<file path=ppt/slides/slide20.xml><?xml version="1.0" encoding="utf-8"?>
+<p:sld xmlns:a="http://schemas.openxmlformats.org/drawingml/2006/main" xmlns:r="http://schemas.openxmlformats.org/officeDocument/2006/relationships" xmlns:p="http://schemas.openxmlformats.org/presentationml/2006/main">
+  <p:cSld>
+    <p:spTree>
+      <p:nvGrpSpPr>
+        <p:cNvPr id="1" name=""/>
+        <p:cNvGrpSpPr/>
+        <p:nvPr/>
+      </p:nvGrpSpPr>
+      <p:grpSpPr>
+        <a:xfrm>
+          <a:off x="0" y="0"/>
+          <a:ext cx="0" cy="0"/>
+          <a:chOff x="0" y="0"/>
+          <a:chExt cx="0" cy="0"/>
+        </a:xfrm>
+      </p:grpSpPr>
+      <p:sp>
+        <p:nvSpPr>
+          <p:cNvPr id="2" name="Title 1">
+            <a:extLst>
+              <a:ext uri="{FF2B5EF4-FFF2-40B4-BE49-F238E27FC236}">
+                <a16:creationId xmlns:a16="http://schemas.microsoft.com/office/drawing/2014/main" id="{CB4AF8AD-20E5-4332-A34C-884A8EC68C8F}"/>
+              </a:ext>
+            </a:extLst>
+          </p:cNvPr>
+          <p:cNvSpPr>
+            <a:spLocks noGrp="1"/>
+          </p:cNvSpPr>
+          <p:nvPr>
+            <p:ph type="title"/>
+          </p:nvPr>
+        </p:nvSpPr>
+        <p:spPr/>
+        <p:txBody>
+          <a:bodyPr/>
+          <a:lstStyle/>
+          <a:p>
+            <a:r>
+              <a:rPr lang="en-US" u="sng" dirty="0" err="1"/>
+              <a:t>BinaryOperator</a:t>
+            </a:r>
+            <a:endParaRPr lang="en-US" dirty="0"/>
+          </a:p>
+        </p:txBody>
+      </p:sp>
+      <p:sp>
+        <p:nvSpPr>
+          <p:cNvPr id="3" name="Content Placeholder 2">
+            <a:extLst>
+              <a:ext uri="{FF2B5EF4-FFF2-40B4-BE49-F238E27FC236}">
+                <a16:creationId xmlns:a16="http://schemas.microsoft.com/office/drawing/2014/main" id="{DA123AE9-5168-4BC5-A8DE-4AA78917B78A}"/>
+              </a:ext>
+            </a:extLst>
+          </p:cNvPr>
+          <p:cNvSpPr>
+            <a:spLocks noGrp="1"/>
+          </p:cNvSpPr>
+          <p:nvPr>
+            <p:ph idx="1"/>
+          </p:nvPr>
+        </p:nvSpPr>
+        <p:spPr/>
+        <p:txBody>
+          <a:bodyPr/>
+          <a:lstStyle/>
+          <a:p>
+            <a:pPr marL="0" indent="0">
+              <a:buNone/>
+            </a:pPr>
+            <a:r>
+              <a:rPr lang="en-US" dirty="0"/>
+              <a:t>public interface </a:t>
+            </a:r>
+            <a:r>
+              <a:rPr lang="en-US" u="sng" dirty="0" err="1"/>
+              <a:t>BinaryOperator</a:t>
+            </a:r>
+            <a:r>
+              <a:rPr lang="en-US" u="sng" dirty="0"/>
+              <a:t> extends </a:t>
+            </a:r>
+            <a:r>
+              <a:rPr lang="en-US" u="sng" dirty="0" err="1"/>
+              <a:t>BiFunction</a:t>
+            </a:r>
+            <a:r>
+              <a:rPr lang="en-US" u="sng" dirty="0"/>
+              <a:t>{</a:t>
+            </a:r>
+          </a:p>
+          <a:p>
+            <a:pPr marL="0" indent="0">
+              <a:buNone/>
+            </a:pPr>
+            <a:r>
+              <a:rPr lang="en-US" dirty="0"/>
+              <a:t>	public R apply( R </a:t>
+            </a:r>
+            <a:r>
+              <a:rPr lang="en-US" dirty="0" err="1"/>
+              <a:t>r</a:t>
+            </a:r>
+            <a:r>
+              <a:rPr lang="en-US" dirty="0"/>
+              <a:t>, R r);</a:t>
+            </a:r>
+          </a:p>
+          <a:p>
+            <a:pPr marL="0" indent="0">
+              <a:buNone/>
+            </a:pPr>
+            <a:r>
+              <a:rPr lang="en-US" u="sng" dirty="0"/>
+              <a:t>}</a:t>
+            </a:r>
+            <a:endParaRPr lang="en-US" dirty="0"/>
+          </a:p>
+        </p:txBody>
+      </p:sp>
+    </p:spTree>
+    <p:extLst>
+      <p:ext uri="{BB962C8B-B14F-4D97-AF65-F5344CB8AC3E}">
+        <p14:creationId xmlns:p14="http://schemas.microsoft.com/office/powerpoint/2010/main" val="3876166400"/>
+      </p:ext>
+    </p:extLst>
+  </p:cSld>
+  <p:clrMapOvr>
+    <a:masterClrMapping/>
+  </p:clrMapOvr>
+</p:sld>
+</file>
+
+<file path=ppt/slides/slide21.xml><?xml version="1.0" encoding="utf-8"?>
+<p:sld xmlns:a="http://schemas.openxmlformats.org/drawingml/2006/main" xmlns:r="http://schemas.openxmlformats.org/officeDocument/2006/relationships" xmlns:p="http://schemas.openxmlformats.org/presentationml/2006/main">
+  <p:cSld>
+    <p:spTree>
+      <p:nvGrpSpPr>
+        <p:cNvPr id="1" name=""/>
+        <p:cNvGrpSpPr/>
+        <p:nvPr/>
+      </p:nvGrpSpPr>
+      <p:grpSpPr>
+        <a:xfrm>
+          <a:off x="0" y="0"/>
+          <a:ext cx="0" cy="0"/>
+          <a:chOff x="0" y="0"/>
+          <a:chExt cx="0" cy="0"/>
+        </a:xfrm>
+      </p:grpSpPr>
+      <p:sp>
+        <p:nvSpPr>
+          <p:cNvPr id="2" name="Title 1">
+            <a:extLst>
+              <a:ext uri="{FF2B5EF4-FFF2-40B4-BE49-F238E27FC236}">
+                <a16:creationId xmlns:a16="http://schemas.microsoft.com/office/drawing/2014/main" id="{D571FAF5-FC97-4D2D-9DF1-EF969931B7B6}"/>
+              </a:ext>
+            </a:extLst>
+          </p:cNvPr>
+          <p:cNvSpPr>
+            <a:spLocks noGrp="1"/>
+          </p:cNvSpPr>
+          <p:nvPr>
+            <p:ph type="title"/>
+          </p:nvPr>
+        </p:nvSpPr>
+        <p:spPr/>
+        <p:txBody>
+          <a:bodyPr/>
+          <a:lstStyle/>
+          <a:p>
+            <a:r>
+              <a:rPr lang="en-US" dirty="0" err="1"/>
+              <a:t>flatMap</a:t>
+            </a:r>
+            <a:endParaRPr lang="en-US" dirty="0"/>
+          </a:p>
+        </p:txBody>
+      </p:sp>
+      <p:sp>
+        <p:nvSpPr>
+          <p:cNvPr id="3" name="Content Placeholder 2">
+            <a:extLst>
+              <a:ext uri="{FF2B5EF4-FFF2-40B4-BE49-F238E27FC236}">
+                <a16:creationId xmlns:a16="http://schemas.microsoft.com/office/drawing/2014/main" id="{0DC1DCB7-982B-4D28-8B91-F958037A9811}"/>
+              </a:ext>
+            </a:extLst>
+          </p:cNvPr>
+          <p:cNvSpPr>
+            <a:spLocks noGrp="1"/>
+          </p:cNvSpPr>
+          <p:nvPr>
+            <p:ph idx="1"/>
+          </p:nvPr>
+        </p:nvSpPr>
+        <p:spPr/>
+        <p:txBody>
+          <a:bodyPr/>
+          <a:lstStyle/>
+          <a:p>
+            <a:r>
+              <a:rPr lang="en-US" dirty="0" err="1"/>
+              <a:t>Flattern</a:t>
+            </a:r>
+            <a:r>
+              <a:rPr lang="en-US" dirty="0"/>
+              <a:t> the streams</a:t>
+            </a:r>
+          </a:p>
+          <a:p>
+            <a:r>
+              <a:rPr lang="en-US" dirty="0"/>
+              <a:t>Group of group</a:t>
+            </a:r>
+          </a:p>
+        </p:txBody>
+      </p:sp>
+    </p:spTree>
+    <p:extLst>
+      <p:ext uri="{BB962C8B-B14F-4D97-AF65-F5344CB8AC3E}">
+        <p14:creationId xmlns:p14="http://schemas.microsoft.com/office/powerpoint/2010/main" val="2832189616"/>
       </p:ext>
     </p:extLst>
   </p:cSld>
